--- a/PPT/06) 4일차-텍스트 분류의 개념 및 구조.pptx
+++ b/PPT/06) 4일차-텍스트 분류의 개념 및 구조.pptx
@@ -5,7 +5,7 @@
     <p:sldMasterId id="2147483648" r:id="rId1"/>
   </p:sldMasterIdLst>
   <p:notesMasterIdLst>
-    <p:notesMasterId r:id="rId10"/>
+    <p:notesMasterId r:id="rId14"/>
   </p:notesMasterIdLst>
   <p:sldIdLst>
     <p:sldId id="256" r:id="rId2"/>
@@ -16,6 +16,10 @@
     <p:sldId id="308" r:id="rId7"/>
     <p:sldId id="309" r:id="rId8"/>
     <p:sldId id="289" r:id="rId9"/>
+    <p:sldId id="310" r:id="rId10"/>
+    <p:sldId id="311" r:id="rId11"/>
+    <p:sldId id="313" r:id="rId12"/>
+    <p:sldId id="312" r:id="rId13"/>
   </p:sldIdLst>
   <p:sldSz cx="12192000" cy="6858000"/>
   <p:notesSz cx="6858000" cy="9144000"/>
@@ -204,7 +208,7 @@
           <a:p>
             <a:fld id="{1B6E3774-0E21-4466-89FE-47F912FC75D3}" type="datetimeFigureOut">
               <a:rPr lang="ko-KR" altLang="en-US" smtClean="0"/>
-              <a:t>2020-08-01</a:t>
+              <a:t>2020-08-08</a:t>
             </a:fld>
             <a:endParaRPr lang="ko-KR" altLang="en-US"/>
           </a:p>
@@ -692,7 +696,7 @@
           <a:p>
             <a:fld id="{ACDEFF3B-8A07-4FB1-9BE4-BDB72A1F7CD9}" type="datetimeFigureOut">
               <a:rPr lang="ko-KR" altLang="en-US" smtClean="0"/>
-              <a:t>2020-08-01</a:t>
+              <a:t>2020-08-08</a:t>
             </a:fld>
             <a:endParaRPr lang="ko-KR" altLang="en-US"/>
           </a:p>
@@ -862,7 +866,7 @@
           <a:p>
             <a:fld id="{ACDEFF3B-8A07-4FB1-9BE4-BDB72A1F7CD9}" type="datetimeFigureOut">
               <a:rPr lang="ko-KR" altLang="en-US" smtClean="0"/>
-              <a:t>2020-08-01</a:t>
+              <a:t>2020-08-08</a:t>
             </a:fld>
             <a:endParaRPr lang="ko-KR" altLang="en-US"/>
           </a:p>
@@ -1042,7 +1046,7 @@
           <a:p>
             <a:fld id="{ACDEFF3B-8A07-4FB1-9BE4-BDB72A1F7CD9}" type="datetimeFigureOut">
               <a:rPr lang="ko-KR" altLang="en-US" smtClean="0"/>
-              <a:t>2020-08-01</a:t>
+              <a:t>2020-08-08</a:t>
             </a:fld>
             <a:endParaRPr lang="ko-KR" altLang="en-US"/>
           </a:p>
@@ -1212,7 +1216,7 @@
           <a:p>
             <a:fld id="{ACDEFF3B-8A07-4FB1-9BE4-BDB72A1F7CD9}" type="datetimeFigureOut">
               <a:rPr lang="ko-KR" altLang="en-US" smtClean="0"/>
-              <a:t>2020-08-01</a:t>
+              <a:t>2020-08-08</a:t>
             </a:fld>
             <a:endParaRPr lang="ko-KR" altLang="en-US"/>
           </a:p>
@@ -1458,7 +1462,7 @@
           <a:p>
             <a:fld id="{ACDEFF3B-8A07-4FB1-9BE4-BDB72A1F7CD9}" type="datetimeFigureOut">
               <a:rPr lang="ko-KR" altLang="en-US" smtClean="0"/>
-              <a:t>2020-08-01</a:t>
+              <a:t>2020-08-08</a:t>
             </a:fld>
             <a:endParaRPr lang="ko-KR" altLang="en-US"/>
           </a:p>
@@ -1690,7 +1694,7 @@
           <a:p>
             <a:fld id="{ACDEFF3B-8A07-4FB1-9BE4-BDB72A1F7CD9}" type="datetimeFigureOut">
               <a:rPr lang="ko-KR" altLang="en-US" smtClean="0"/>
-              <a:t>2020-08-01</a:t>
+              <a:t>2020-08-08</a:t>
             </a:fld>
             <a:endParaRPr lang="ko-KR" altLang="en-US"/>
           </a:p>
@@ -2057,7 +2061,7 @@
           <a:p>
             <a:fld id="{ACDEFF3B-8A07-4FB1-9BE4-BDB72A1F7CD9}" type="datetimeFigureOut">
               <a:rPr lang="ko-KR" altLang="en-US" smtClean="0"/>
-              <a:t>2020-08-01</a:t>
+              <a:t>2020-08-08</a:t>
             </a:fld>
             <a:endParaRPr lang="ko-KR" altLang="en-US"/>
           </a:p>
@@ -2175,7 +2179,7 @@
           <a:p>
             <a:fld id="{ACDEFF3B-8A07-4FB1-9BE4-BDB72A1F7CD9}" type="datetimeFigureOut">
               <a:rPr lang="ko-KR" altLang="en-US" smtClean="0"/>
-              <a:t>2020-08-01</a:t>
+              <a:t>2020-08-08</a:t>
             </a:fld>
             <a:endParaRPr lang="ko-KR" altLang="en-US"/>
           </a:p>
@@ -2270,7 +2274,7 @@
           <a:p>
             <a:fld id="{ACDEFF3B-8A07-4FB1-9BE4-BDB72A1F7CD9}" type="datetimeFigureOut">
               <a:rPr lang="ko-KR" altLang="en-US" smtClean="0"/>
-              <a:t>2020-08-01</a:t>
+              <a:t>2020-08-08</a:t>
             </a:fld>
             <a:endParaRPr lang="ko-KR" altLang="en-US"/>
           </a:p>
@@ -2547,7 +2551,7 @@
           <a:p>
             <a:fld id="{ACDEFF3B-8A07-4FB1-9BE4-BDB72A1F7CD9}" type="datetimeFigureOut">
               <a:rPr lang="ko-KR" altLang="en-US" smtClean="0"/>
-              <a:t>2020-08-01</a:t>
+              <a:t>2020-08-08</a:t>
             </a:fld>
             <a:endParaRPr lang="ko-KR" altLang="en-US"/>
           </a:p>
@@ -2800,7 +2804,7 @@
           <a:p>
             <a:fld id="{ACDEFF3B-8A07-4FB1-9BE4-BDB72A1F7CD9}" type="datetimeFigureOut">
               <a:rPr lang="ko-KR" altLang="en-US" smtClean="0"/>
-              <a:t>2020-08-01</a:t>
+              <a:t>2020-08-08</a:t>
             </a:fld>
             <a:endParaRPr lang="ko-KR" altLang="en-US"/>
           </a:p>
@@ -3013,7 +3017,7 @@
           <a:p>
             <a:fld id="{ACDEFF3B-8A07-4FB1-9BE4-BDB72A1F7CD9}" type="datetimeFigureOut">
               <a:rPr lang="ko-KR" altLang="en-US" smtClean="0"/>
-              <a:t>2020-08-01</a:t>
+              <a:t>2020-08-08</a:t>
             </a:fld>
             <a:endParaRPr lang="ko-KR" altLang="en-US"/>
           </a:p>
@@ -3764,6 +3768,810 @@
     <p:extLst>
       <p:ext uri="{BB962C8B-B14F-4D97-AF65-F5344CB8AC3E}">
         <p14:creationId xmlns:p14="http://schemas.microsoft.com/office/powerpoint/2010/main" val="2940518778"/>
+      </p:ext>
+    </p:extLst>
+  </p:cSld>
+  <p:clrMapOvr>
+    <a:masterClrMapping/>
+  </p:clrMapOvr>
+  <p:timing>
+    <p:tnLst>
+      <p:par>
+        <p:cTn id="1" dur="indefinite" restart="never" nodeType="tmRoot"/>
+      </p:par>
+    </p:tnLst>
+  </p:timing>
+</p:sld>
+</file>
+
+<file path=ppt/slides/slide10.xml><?xml version="1.0" encoding="utf-8"?>
+<p:sld xmlns:a="http://schemas.openxmlformats.org/drawingml/2006/main" xmlns:r="http://schemas.openxmlformats.org/officeDocument/2006/relationships" xmlns:p="http://schemas.openxmlformats.org/presentationml/2006/main">
+  <p:cSld>
+    <p:spTree>
+      <p:nvGrpSpPr>
+        <p:cNvPr id="1" name=""/>
+        <p:cNvGrpSpPr/>
+        <p:nvPr/>
+      </p:nvGrpSpPr>
+      <p:grpSpPr>
+        <a:xfrm>
+          <a:off x="0" y="0"/>
+          <a:ext cx="0" cy="0"/>
+          <a:chOff x="0" y="0"/>
+          <a:chExt cx="0" cy="0"/>
+        </a:xfrm>
+      </p:grpSpPr>
+      <p:sp>
+        <p:nvSpPr>
+          <p:cNvPr id="7" name="슬라이드 번호 개체 틀 7"/>
+          <p:cNvSpPr>
+            <a:spLocks noGrp="1"/>
+          </p:cNvSpPr>
+          <p:nvPr>
+            <p:ph type="sldNum" sz="quarter" idx="12"/>
+          </p:nvPr>
+        </p:nvSpPr>
+        <p:spPr>
+          <a:xfrm>
+            <a:off x="8610600" y="6356352"/>
+            <a:ext cx="2743200" cy="365125"/>
+          </a:xfrm>
+        </p:spPr>
+        <p:txBody>
+          <a:bodyPr/>
+          <a:lstStyle/>
+          <a:p>
+            <a:fld id="{162ECC5E-0AB4-42BF-B1D5-49BAA6F477C6}" type="slidenum">
+              <a:rPr lang="ko-KR" altLang="en-US" smtClean="0"/>
+              <a:t>10</a:t>
+            </a:fld>
+            <a:endParaRPr lang="ko-KR" altLang="en-US"/>
+          </a:p>
+        </p:txBody>
+      </p:sp>
+      <p:sp>
+        <p:nvSpPr>
+          <p:cNvPr id="10" name="직사각형 9"/>
+          <p:cNvSpPr/>
+          <p:nvPr/>
+        </p:nvSpPr>
+        <p:spPr>
+          <a:xfrm>
+            <a:off x="1" y="0"/>
+            <a:ext cx="342900" cy="781051"/>
+          </a:xfrm>
+          <a:prstGeom prst="rect">
+            <a:avLst/>
+          </a:prstGeom>
+          <a:solidFill>
+            <a:schemeClr val="accent6">
+              <a:lumMod val="20000"/>
+              <a:lumOff val="80000"/>
+            </a:schemeClr>
+          </a:solidFill>
+          <a:ln>
+            <a:solidFill>
+              <a:schemeClr val="accent6">
+                <a:lumMod val="20000"/>
+                <a:lumOff val="80000"/>
+              </a:schemeClr>
+            </a:solidFill>
+          </a:ln>
+        </p:spPr>
+        <p:style>
+          <a:lnRef idx="2">
+            <a:schemeClr val="accent1">
+              <a:shade val="50000"/>
+            </a:schemeClr>
+          </a:lnRef>
+          <a:fillRef idx="1">
+            <a:schemeClr val="accent1"/>
+          </a:fillRef>
+          <a:effectRef idx="0">
+            <a:schemeClr val="accent1"/>
+          </a:effectRef>
+          <a:fontRef idx="minor">
+            <a:schemeClr val="lt1"/>
+          </a:fontRef>
+        </p:style>
+        <p:txBody>
+          <a:bodyPr rtlCol="0" anchor="b"/>
+          <a:lstStyle/>
+          <a:p>
+            <a:pPr algn="ctr"/>
+            <a:endParaRPr lang="ko-KR" altLang="en-US" sz="3600" dirty="0"/>
+          </a:p>
+        </p:txBody>
+      </p:sp>
+      <p:sp>
+        <p:nvSpPr>
+          <p:cNvPr id="11" name="직사각형 10"/>
+          <p:cNvSpPr/>
+          <p:nvPr/>
+        </p:nvSpPr>
+        <p:spPr>
+          <a:xfrm>
+            <a:off x="342900" y="0"/>
+            <a:ext cx="8629651" cy="781051"/>
+          </a:xfrm>
+          <a:prstGeom prst="rect">
+            <a:avLst/>
+          </a:prstGeom>
+          <a:solidFill>
+            <a:schemeClr val="accent6">
+              <a:lumMod val="40000"/>
+              <a:lumOff val="60000"/>
+            </a:schemeClr>
+          </a:solidFill>
+          <a:ln>
+            <a:solidFill>
+              <a:schemeClr val="accent6">
+                <a:lumMod val="40000"/>
+                <a:lumOff val="60000"/>
+              </a:schemeClr>
+            </a:solidFill>
+          </a:ln>
+        </p:spPr>
+        <p:style>
+          <a:lnRef idx="2">
+            <a:schemeClr val="accent1">
+              <a:shade val="50000"/>
+            </a:schemeClr>
+          </a:lnRef>
+          <a:fillRef idx="1">
+            <a:schemeClr val="accent1"/>
+          </a:fillRef>
+          <a:effectRef idx="0">
+            <a:schemeClr val="accent1"/>
+          </a:effectRef>
+          <a:fontRef idx="minor">
+            <a:schemeClr val="lt1"/>
+          </a:fontRef>
+        </p:style>
+        <p:txBody>
+          <a:bodyPr rtlCol="0" anchor="b"/>
+          <a:lstStyle/>
+          <a:p>
+            <a:r>
+              <a:rPr lang="ko-KR" altLang="en-US" sz="3600" dirty="0" err="1" smtClean="0">
+                <a:solidFill>
+                  <a:schemeClr val="tx1"/>
+                </a:solidFill>
+              </a:rPr>
+              <a:t>딥러닝</a:t>
+            </a:r>
+            <a:endParaRPr lang="ko-KR" altLang="en-US" sz="3600" dirty="0">
+              <a:solidFill>
+                <a:schemeClr val="tx1"/>
+              </a:solidFill>
+            </a:endParaRPr>
+          </a:p>
+        </p:txBody>
+      </p:sp>
+      <p:sp>
+        <p:nvSpPr>
+          <p:cNvPr id="12" name="직사각형 11"/>
+          <p:cNvSpPr/>
+          <p:nvPr/>
+        </p:nvSpPr>
+        <p:spPr>
+          <a:xfrm>
+            <a:off x="8972549" y="0"/>
+            <a:ext cx="3219451" cy="781051"/>
+          </a:xfrm>
+          <a:prstGeom prst="rect">
+            <a:avLst/>
+          </a:prstGeom>
+          <a:solidFill>
+            <a:schemeClr val="accent6">
+              <a:lumMod val="75000"/>
+            </a:schemeClr>
+          </a:solidFill>
+          <a:ln>
+            <a:solidFill>
+              <a:schemeClr val="accent6">
+                <a:lumMod val="75000"/>
+              </a:schemeClr>
+            </a:solidFill>
+          </a:ln>
+        </p:spPr>
+        <p:style>
+          <a:lnRef idx="2">
+            <a:schemeClr val="accent1">
+              <a:shade val="50000"/>
+            </a:schemeClr>
+          </a:lnRef>
+          <a:fillRef idx="1">
+            <a:schemeClr val="accent1"/>
+          </a:fillRef>
+          <a:effectRef idx="0">
+            <a:schemeClr val="accent1"/>
+          </a:effectRef>
+          <a:fontRef idx="minor">
+            <a:schemeClr val="lt1"/>
+          </a:fontRef>
+        </p:style>
+        <p:txBody>
+          <a:bodyPr rtlCol="0" anchor="b"/>
+          <a:lstStyle/>
+          <a:p>
+            <a:endParaRPr lang="ko-KR" altLang="en-US" sz="2400" b="1" dirty="0">
+              <a:solidFill>
+                <a:schemeClr val="bg1"/>
+              </a:solidFill>
+            </a:endParaRPr>
+          </a:p>
+        </p:txBody>
+      </p:sp>
+      <p:pic>
+        <p:nvPicPr>
+          <p:cNvPr id="1026" name="Picture 2" descr="https://postfiles.pstatic.net/MjAxNzA1MDhfMjA5/MDAxNDk0MjI4NzQwMTQz.-g922_fSvbbUJA2pVU8KeK0M8DNkjAXHjOMJKrdlojkg.RZ3WH8Ba0v1jmg3ta1O8qS8GtNQQa3O0hyQQlex6qNkg.JPEG.chandong83/dog.jpg?type=w773"/>
+          <p:cNvPicPr>
+            <a:picLocks noChangeAspect="1" noChangeArrowheads="1"/>
+          </p:cNvPicPr>
+          <p:nvPr/>
+        </p:nvPicPr>
+        <p:blipFill>
+          <a:blip r:embed="rId2">
+            <a:extLst>
+              <a:ext uri="{28A0092B-C50C-407E-A947-70E740481C1C}">
+                <a14:useLocalDpi xmlns:a14="http://schemas.microsoft.com/office/drawing/2010/main" val="0"/>
+              </a:ext>
+            </a:extLst>
+          </a:blip>
+          <a:srcRect/>
+          <a:stretch>
+            <a:fillRect/>
+          </a:stretch>
+        </p:blipFill>
+        <p:spPr bwMode="auto">
+          <a:xfrm>
+            <a:off x="2419126" y="1052514"/>
+            <a:ext cx="7315200" cy="5486400"/>
+          </a:xfrm>
+          <a:prstGeom prst="rect">
+            <a:avLst/>
+          </a:prstGeom>
+          <a:noFill/>
+          <a:extLst>
+            <a:ext uri="{909E8E84-426E-40DD-AFC4-6F175D3DCCD1}">
+              <a14:hiddenFill xmlns:a14="http://schemas.microsoft.com/office/drawing/2010/main">
+                <a:solidFill>
+                  <a:srgbClr val="FFFFFF"/>
+                </a:solidFill>
+              </a14:hiddenFill>
+            </a:ext>
+          </a:extLst>
+        </p:spPr>
+      </p:pic>
+    </p:spTree>
+    <p:extLst>
+      <p:ext uri="{BB962C8B-B14F-4D97-AF65-F5344CB8AC3E}">
+        <p14:creationId xmlns:p14="http://schemas.microsoft.com/office/powerpoint/2010/main" val="3787796686"/>
+      </p:ext>
+    </p:extLst>
+  </p:cSld>
+  <p:clrMapOvr>
+    <a:masterClrMapping/>
+  </p:clrMapOvr>
+  <p:timing>
+    <p:tnLst>
+      <p:par>
+        <p:cTn id="1" dur="indefinite" restart="never" nodeType="tmRoot"/>
+      </p:par>
+    </p:tnLst>
+  </p:timing>
+</p:sld>
+</file>
+
+<file path=ppt/slides/slide11.xml><?xml version="1.0" encoding="utf-8"?>
+<p:sld xmlns:a="http://schemas.openxmlformats.org/drawingml/2006/main" xmlns:r="http://schemas.openxmlformats.org/officeDocument/2006/relationships" xmlns:p="http://schemas.openxmlformats.org/presentationml/2006/main">
+  <p:cSld>
+    <p:spTree>
+      <p:nvGrpSpPr>
+        <p:cNvPr id="1" name=""/>
+        <p:cNvGrpSpPr/>
+        <p:nvPr/>
+      </p:nvGrpSpPr>
+      <p:grpSpPr>
+        <a:xfrm>
+          <a:off x="0" y="0"/>
+          <a:ext cx="0" cy="0"/>
+          <a:chOff x="0" y="0"/>
+          <a:chExt cx="0" cy="0"/>
+        </a:xfrm>
+      </p:grpSpPr>
+      <p:sp>
+        <p:nvSpPr>
+          <p:cNvPr id="7" name="슬라이드 번호 개체 틀 7"/>
+          <p:cNvSpPr>
+            <a:spLocks noGrp="1"/>
+          </p:cNvSpPr>
+          <p:nvPr>
+            <p:ph type="sldNum" sz="quarter" idx="12"/>
+          </p:nvPr>
+        </p:nvSpPr>
+        <p:spPr>
+          <a:xfrm>
+            <a:off x="8610600" y="6356352"/>
+            <a:ext cx="2743200" cy="365125"/>
+          </a:xfrm>
+        </p:spPr>
+        <p:txBody>
+          <a:bodyPr/>
+          <a:lstStyle/>
+          <a:p>
+            <a:fld id="{162ECC5E-0AB4-42BF-B1D5-49BAA6F477C6}" type="slidenum">
+              <a:rPr lang="ko-KR" altLang="en-US" smtClean="0"/>
+              <a:t>11</a:t>
+            </a:fld>
+            <a:endParaRPr lang="ko-KR" altLang="en-US"/>
+          </a:p>
+        </p:txBody>
+      </p:sp>
+      <p:sp>
+        <p:nvSpPr>
+          <p:cNvPr id="10" name="직사각형 9"/>
+          <p:cNvSpPr/>
+          <p:nvPr/>
+        </p:nvSpPr>
+        <p:spPr>
+          <a:xfrm>
+            <a:off x="1" y="0"/>
+            <a:ext cx="342900" cy="781051"/>
+          </a:xfrm>
+          <a:prstGeom prst="rect">
+            <a:avLst/>
+          </a:prstGeom>
+          <a:solidFill>
+            <a:schemeClr val="accent6">
+              <a:lumMod val="20000"/>
+              <a:lumOff val="80000"/>
+            </a:schemeClr>
+          </a:solidFill>
+          <a:ln>
+            <a:solidFill>
+              <a:schemeClr val="accent6">
+                <a:lumMod val="20000"/>
+                <a:lumOff val="80000"/>
+              </a:schemeClr>
+            </a:solidFill>
+          </a:ln>
+        </p:spPr>
+        <p:style>
+          <a:lnRef idx="2">
+            <a:schemeClr val="accent1">
+              <a:shade val="50000"/>
+            </a:schemeClr>
+          </a:lnRef>
+          <a:fillRef idx="1">
+            <a:schemeClr val="accent1"/>
+          </a:fillRef>
+          <a:effectRef idx="0">
+            <a:schemeClr val="accent1"/>
+          </a:effectRef>
+          <a:fontRef idx="minor">
+            <a:schemeClr val="lt1"/>
+          </a:fontRef>
+        </p:style>
+        <p:txBody>
+          <a:bodyPr rtlCol="0" anchor="b"/>
+          <a:lstStyle/>
+          <a:p>
+            <a:pPr algn="ctr"/>
+            <a:endParaRPr lang="ko-KR" altLang="en-US" sz="3600" dirty="0"/>
+          </a:p>
+        </p:txBody>
+      </p:sp>
+      <p:sp>
+        <p:nvSpPr>
+          <p:cNvPr id="11" name="직사각형 10"/>
+          <p:cNvSpPr/>
+          <p:nvPr/>
+        </p:nvSpPr>
+        <p:spPr>
+          <a:xfrm>
+            <a:off x="342900" y="0"/>
+            <a:ext cx="8629651" cy="781051"/>
+          </a:xfrm>
+          <a:prstGeom prst="rect">
+            <a:avLst/>
+          </a:prstGeom>
+          <a:solidFill>
+            <a:schemeClr val="accent6">
+              <a:lumMod val="40000"/>
+              <a:lumOff val="60000"/>
+            </a:schemeClr>
+          </a:solidFill>
+          <a:ln>
+            <a:solidFill>
+              <a:schemeClr val="accent6">
+                <a:lumMod val="40000"/>
+                <a:lumOff val="60000"/>
+              </a:schemeClr>
+            </a:solidFill>
+          </a:ln>
+        </p:spPr>
+        <p:style>
+          <a:lnRef idx="2">
+            <a:schemeClr val="accent1">
+              <a:shade val="50000"/>
+            </a:schemeClr>
+          </a:lnRef>
+          <a:fillRef idx="1">
+            <a:schemeClr val="accent1"/>
+          </a:fillRef>
+          <a:effectRef idx="0">
+            <a:schemeClr val="accent1"/>
+          </a:effectRef>
+          <a:fontRef idx="minor">
+            <a:schemeClr val="lt1"/>
+          </a:fontRef>
+        </p:style>
+        <p:txBody>
+          <a:bodyPr rtlCol="0" anchor="b"/>
+          <a:lstStyle/>
+          <a:p>
+            <a:r>
+              <a:rPr lang="ko-KR" altLang="en-US" sz="3600" dirty="0" err="1" smtClean="0">
+                <a:solidFill>
+                  <a:schemeClr val="tx1"/>
+                </a:solidFill>
+              </a:rPr>
+              <a:t>딥러닝</a:t>
+            </a:r>
+            <a:endParaRPr lang="ko-KR" altLang="en-US" sz="3600" dirty="0">
+              <a:solidFill>
+                <a:schemeClr val="tx1"/>
+              </a:solidFill>
+            </a:endParaRPr>
+          </a:p>
+        </p:txBody>
+      </p:sp>
+      <p:sp>
+        <p:nvSpPr>
+          <p:cNvPr id="12" name="직사각형 11"/>
+          <p:cNvSpPr/>
+          <p:nvPr/>
+        </p:nvSpPr>
+        <p:spPr>
+          <a:xfrm>
+            <a:off x="8972549" y="0"/>
+            <a:ext cx="3219451" cy="781051"/>
+          </a:xfrm>
+          <a:prstGeom prst="rect">
+            <a:avLst/>
+          </a:prstGeom>
+          <a:solidFill>
+            <a:schemeClr val="accent6">
+              <a:lumMod val="75000"/>
+            </a:schemeClr>
+          </a:solidFill>
+          <a:ln>
+            <a:solidFill>
+              <a:schemeClr val="accent6">
+                <a:lumMod val="75000"/>
+              </a:schemeClr>
+            </a:solidFill>
+          </a:ln>
+        </p:spPr>
+        <p:style>
+          <a:lnRef idx="2">
+            <a:schemeClr val="accent1">
+              <a:shade val="50000"/>
+            </a:schemeClr>
+          </a:lnRef>
+          <a:fillRef idx="1">
+            <a:schemeClr val="accent1"/>
+          </a:fillRef>
+          <a:effectRef idx="0">
+            <a:schemeClr val="accent1"/>
+          </a:effectRef>
+          <a:fontRef idx="minor">
+            <a:schemeClr val="lt1"/>
+          </a:fontRef>
+        </p:style>
+        <p:txBody>
+          <a:bodyPr rtlCol="0" anchor="b"/>
+          <a:lstStyle/>
+          <a:p>
+            <a:endParaRPr lang="ko-KR" altLang="en-US" sz="2400" b="1" dirty="0">
+              <a:solidFill>
+                <a:schemeClr val="bg1"/>
+              </a:solidFill>
+            </a:endParaRPr>
+          </a:p>
+        </p:txBody>
+      </p:sp>
+      <p:pic>
+        <p:nvPicPr>
+          <p:cNvPr id="8" name="그림 7"/>
+          <p:cNvPicPr>
+            <a:picLocks noChangeAspect="1"/>
+          </p:cNvPicPr>
+          <p:nvPr/>
+        </p:nvPicPr>
+        <p:blipFill rotWithShape="1">
+          <a:blip r:embed="rId2"/>
+          <a:srcRect r="866"/>
+          <a:stretch/>
+        </p:blipFill>
+        <p:spPr>
+          <a:xfrm>
+            <a:off x="2419126" y="1042196"/>
+            <a:ext cx="7315200" cy="5496718"/>
+          </a:xfrm>
+          <a:prstGeom prst="rect">
+            <a:avLst/>
+          </a:prstGeom>
+        </p:spPr>
+      </p:pic>
+    </p:spTree>
+    <p:extLst>
+      <p:ext uri="{BB962C8B-B14F-4D97-AF65-F5344CB8AC3E}">
+        <p14:creationId xmlns:p14="http://schemas.microsoft.com/office/powerpoint/2010/main" val="3151547454"/>
+      </p:ext>
+    </p:extLst>
+  </p:cSld>
+  <p:clrMapOvr>
+    <a:masterClrMapping/>
+  </p:clrMapOvr>
+  <p:timing>
+    <p:tnLst>
+      <p:par>
+        <p:cTn id="1" dur="indefinite" restart="never" nodeType="tmRoot"/>
+      </p:par>
+    </p:tnLst>
+  </p:timing>
+</p:sld>
+</file>
+
+<file path=ppt/slides/slide12.xml><?xml version="1.0" encoding="utf-8"?>
+<p:sld xmlns:a="http://schemas.openxmlformats.org/drawingml/2006/main" xmlns:r="http://schemas.openxmlformats.org/officeDocument/2006/relationships" xmlns:p="http://schemas.openxmlformats.org/presentationml/2006/main">
+  <p:cSld>
+    <p:spTree>
+      <p:nvGrpSpPr>
+        <p:cNvPr id="1" name=""/>
+        <p:cNvGrpSpPr/>
+        <p:nvPr/>
+      </p:nvGrpSpPr>
+      <p:grpSpPr>
+        <a:xfrm>
+          <a:off x="0" y="0"/>
+          <a:ext cx="0" cy="0"/>
+          <a:chOff x="0" y="0"/>
+          <a:chExt cx="0" cy="0"/>
+        </a:xfrm>
+      </p:grpSpPr>
+      <p:sp>
+        <p:nvSpPr>
+          <p:cNvPr id="7" name="슬라이드 번호 개체 틀 7"/>
+          <p:cNvSpPr>
+            <a:spLocks noGrp="1"/>
+          </p:cNvSpPr>
+          <p:nvPr>
+            <p:ph type="sldNum" sz="quarter" idx="12"/>
+          </p:nvPr>
+        </p:nvSpPr>
+        <p:spPr>
+          <a:xfrm>
+            <a:off x="8610600" y="6356352"/>
+            <a:ext cx="2743200" cy="365125"/>
+          </a:xfrm>
+        </p:spPr>
+        <p:txBody>
+          <a:bodyPr/>
+          <a:lstStyle/>
+          <a:p>
+            <a:fld id="{162ECC5E-0AB4-42BF-B1D5-49BAA6F477C6}" type="slidenum">
+              <a:rPr lang="ko-KR" altLang="en-US" smtClean="0"/>
+              <a:t>12</a:t>
+            </a:fld>
+            <a:endParaRPr lang="ko-KR" altLang="en-US"/>
+          </a:p>
+        </p:txBody>
+      </p:sp>
+      <p:sp>
+        <p:nvSpPr>
+          <p:cNvPr id="10" name="직사각형 9"/>
+          <p:cNvSpPr/>
+          <p:nvPr/>
+        </p:nvSpPr>
+        <p:spPr>
+          <a:xfrm>
+            <a:off x="1" y="0"/>
+            <a:ext cx="342900" cy="781051"/>
+          </a:xfrm>
+          <a:prstGeom prst="rect">
+            <a:avLst/>
+          </a:prstGeom>
+          <a:solidFill>
+            <a:schemeClr val="accent6">
+              <a:lumMod val="20000"/>
+              <a:lumOff val="80000"/>
+            </a:schemeClr>
+          </a:solidFill>
+          <a:ln>
+            <a:solidFill>
+              <a:schemeClr val="accent6">
+                <a:lumMod val="20000"/>
+                <a:lumOff val="80000"/>
+              </a:schemeClr>
+            </a:solidFill>
+          </a:ln>
+        </p:spPr>
+        <p:style>
+          <a:lnRef idx="2">
+            <a:schemeClr val="accent1">
+              <a:shade val="50000"/>
+            </a:schemeClr>
+          </a:lnRef>
+          <a:fillRef idx="1">
+            <a:schemeClr val="accent1"/>
+          </a:fillRef>
+          <a:effectRef idx="0">
+            <a:schemeClr val="accent1"/>
+          </a:effectRef>
+          <a:fontRef idx="minor">
+            <a:schemeClr val="lt1"/>
+          </a:fontRef>
+        </p:style>
+        <p:txBody>
+          <a:bodyPr rtlCol="0" anchor="b"/>
+          <a:lstStyle/>
+          <a:p>
+            <a:pPr algn="ctr"/>
+            <a:endParaRPr lang="ko-KR" altLang="en-US" sz="3600" dirty="0"/>
+          </a:p>
+        </p:txBody>
+      </p:sp>
+      <p:sp>
+        <p:nvSpPr>
+          <p:cNvPr id="11" name="직사각형 10"/>
+          <p:cNvSpPr/>
+          <p:nvPr/>
+        </p:nvSpPr>
+        <p:spPr>
+          <a:xfrm>
+            <a:off x="342900" y="0"/>
+            <a:ext cx="8629651" cy="781051"/>
+          </a:xfrm>
+          <a:prstGeom prst="rect">
+            <a:avLst/>
+          </a:prstGeom>
+          <a:solidFill>
+            <a:schemeClr val="accent6">
+              <a:lumMod val="40000"/>
+              <a:lumOff val="60000"/>
+            </a:schemeClr>
+          </a:solidFill>
+          <a:ln>
+            <a:solidFill>
+              <a:schemeClr val="accent6">
+                <a:lumMod val="40000"/>
+                <a:lumOff val="60000"/>
+              </a:schemeClr>
+            </a:solidFill>
+          </a:ln>
+        </p:spPr>
+        <p:style>
+          <a:lnRef idx="2">
+            <a:schemeClr val="accent1">
+              <a:shade val="50000"/>
+            </a:schemeClr>
+          </a:lnRef>
+          <a:fillRef idx="1">
+            <a:schemeClr val="accent1"/>
+          </a:fillRef>
+          <a:effectRef idx="0">
+            <a:schemeClr val="accent1"/>
+          </a:effectRef>
+          <a:fontRef idx="minor">
+            <a:schemeClr val="lt1"/>
+          </a:fontRef>
+        </p:style>
+        <p:txBody>
+          <a:bodyPr rtlCol="0" anchor="b"/>
+          <a:lstStyle/>
+          <a:p>
+            <a:r>
+              <a:rPr lang="ko-KR" altLang="en-US" sz="3600" dirty="0" err="1" smtClean="0">
+                <a:solidFill>
+                  <a:schemeClr val="tx1"/>
+                </a:solidFill>
+              </a:rPr>
+              <a:t>딥러닝</a:t>
+            </a:r>
+            <a:endParaRPr lang="ko-KR" altLang="en-US" sz="3600" dirty="0">
+              <a:solidFill>
+                <a:schemeClr val="tx1"/>
+              </a:solidFill>
+            </a:endParaRPr>
+          </a:p>
+        </p:txBody>
+      </p:sp>
+      <p:sp>
+        <p:nvSpPr>
+          <p:cNvPr id="12" name="직사각형 11"/>
+          <p:cNvSpPr/>
+          <p:nvPr/>
+        </p:nvSpPr>
+        <p:spPr>
+          <a:xfrm>
+            <a:off x="8972549" y="0"/>
+            <a:ext cx="3219451" cy="781051"/>
+          </a:xfrm>
+          <a:prstGeom prst="rect">
+            <a:avLst/>
+          </a:prstGeom>
+          <a:solidFill>
+            <a:schemeClr val="accent6">
+              <a:lumMod val="75000"/>
+            </a:schemeClr>
+          </a:solidFill>
+          <a:ln>
+            <a:solidFill>
+              <a:schemeClr val="accent6">
+                <a:lumMod val="75000"/>
+              </a:schemeClr>
+            </a:solidFill>
+          </a:ln>
+        </p:spPr>
+        <p:style>
+          <a:lnRef idx="2">
+            <a:schemeClr val="accent1">
+              <a:shade val="50000"/>
+            </a:schemeClr>
+          </a:lnRef>
+          <a:fillRef idx="1">
+            <a:schemeClr val="accent1"/>
+          </a:fillRef>
+          <a:effectRef idx="0">
+            <a:schemeClr val="accent1"/>
+          </a:effectRef>
+          <a:fontRef idx="minor">
+            <a:schemeClr val="lt1"/>
+          </a:fontRef>
+        </p:style>
+        <p:txBody>
+          <a:bodyPr rtlCol="0" anchor="b"/>
+          <a:lstStyle/>
+          <a:p>
+            <a:endParaRPr lang="ko-KR" altLang="en-US" sz="2400" b="1" dirty="0">
+              <a:solidFill>
+                <a:schemeClr val="bg1"/>
+              </a:solidFill>
+            </a:endParaRPr>
+          </a:p>
+        </p:txBody>
+      </p:sp>
+      <p:pic>
+        <p:nvPicPr>
+          <p:cNvPr id="3" name="그림 2"/>
+          <p:cNvPicPr>
+            <a:picLocks noChangeAspect="1"/>
+          </p:cNvPicPr>
+          <p:nvPr/>
+        </p:nvPicPr>
+        <p:blipFill rotWithShape="1">
+          <a:blip r:embed="rId2"/>
+          <a:srcRect t="1258" b="1845"/>
+          <a:stretch/>
+        </p:blipFill>
+        <p:spPr>
+          <a:xfrm>
+            <a:off x="775448" y="1075765"/>
+            <a:ext cx="10578352" cy="5540188"/>
+          </a:xfrm>
+          <a:prstGeom prst="rect">
+            <a:avLst/>
+          </a:prstGeom>
+        </p:spPr>
+      </p:pic>
+    </p:spTree>
+    <p:extLst>
+      <p:ext uri="{BB962C8B-B14F-4D97-AF65-F5344CB8AC3E}">
+        <p14:creationId xmlns:p14="http://schemas.microsoft.com/office/powerpoint/2010/main" val="973613772"/>
       </p:ext>
     </p:extLst>
   </p:cSld>
@@ -4620,7 +5428,11 @@
             <a:graphicFrameLocks noGrp="1"/>
           </p:cNvGraphicFramePr>
           <p:nvPr>
-            <p:extLst/>
+            <p:extLst>
+              <p:ext uri="{D42A27DB-BD31-4B8C-83A1-F6EECF244321}">
+                <p14:modId xmlns:p14="http://schemas.microsoft.com/office/powerpoint/2010/main" val="1082705496"/>
+              </p:ext>
+            </p:extLst>
           </p:nvPr>
         </p:nvGraphicFramePr>
         <p:xfrm>
@@ -4898,7 +5710,7 @@
                       <a:pPr algn="ctr" latinLnBrk="1"/>
                       <a:r>
                         <a:rPr lang="ko-KR" altLang="en-US" sz="1600" dirty="0" smtClean="0"/>
-                        <a:t>정리</a:t>
+                        <a:t>텍스트 분류 실습</a:t>
                       </a:r>
                     </a:p>
                   </a:txBody>
@@ -4909,27 +5721,16 @@
                     <a:bodyPr/>
                     <a:lstStyle/>
                     <a:p>
-                      <a:pPr marL="0" marR="0" lvl="0" indent="0" algn="ctr" defTabSz="914377" rtl="0" eaLnBrk="1" fontAlgn="auto" latinLnBrk="1" hangingPunct="1">
-                        <a:lnSpc>
-                          <a:spcPct val="100000"/>
-                        </a:lnSpc>
-                        <a:spcBef>
-                          <a:spcPts val="0"/>
-                        </a:spcBef>
-                        <a:spcAft>
-                          <a:spcPts val="0"/>
-                        </a:spcAft>
-                        <a:buClrTx/>
-                        <a:buSzTx/>
-                        <a:buFontTx/>
-                        <a:buNone/>
-                        <a:tabLst/>
-                        <a:defRPr/>
-                      </a:pPr>
+                      <a:pPr algn="ctr" latinLnBrk="1"/>
+                      <a:r>
+                        <a:rPr lang="ko-KR" altLang="en-US" sz="1600" dirty="0" err="1" smtClean="0"/>
+                        <a:t>일상문장</a:t>
+                      </a:r>
                       <a:r>
                         <a:rPr lang="ko-KR" altLang="en-US" sz="1600" dirty="0" smtClean="0"/>
-                        <a:t>정리</a:t>
+                        <a:t> 분류</a:t>
                       </a:r>
+                      <a:endParaRPr lang="ko-KR" altLang="en-US" sz="1600" dirty="0"/>
                     </a:p>
                   </a:txBody>
                   <a:tcPr marL="0" marR="0" marT="0" marB="0" anchor="ctr"/>
@@ -4983,7 +5784,7 @@
                       <a:pPr algn="ctr" latinLnBrk="1"/>
                       <a:r>
                         <a:rPr lang="ko-KR" altLang="en-US" sz="1600" dirty="0" smtClean="0"/>
-                        <a:t>평가</a:t>
+                        <a:t>텍스트 분류 실습</a:t>
                       </a:r>
                     </a:p>
                   </a:txBody>
@@ -4994,28 +5795,16 @@
                     <a:bodyPr/>
                     <a:lstStyle/>
                     <a:p>
-                      <a:pPr marL="0" marR="0" lvl="0" indent="0" algn="ctr" defTabSz="914377" rtl="0" eaLnBrk="1" fontAlgn="auto" latinLnBrk="1" hangingPunct="1">
-                        <a:lnSpc>
-                          <a:spcPct val="100000"/>
-                        </a:lnSpc>
-                        <a:spcBef>
-                          <a:spcPts val="0"/>
-                        </a:spcBef>
-                        <a:spcAft>
-                          <a:spcPts val="0"/>
-                        </a:spcAft>
-                        <a:buClrTx/>
-                        <a:buSzTx/>
-                        <a:buFontTx/>
-                        <a:buNone/>
-                        <a:tabLst/>
-                        <a:defRPr/>
-                      </a:pPr>
+                      <a:pPr algn="ctr" latinLnBrk="1"/>
                       <a:r>
-                        <a:rPr lang="en-US" altLang="ko-KR" sz="1600" dirty="0" smtClean="0"/>
-                        <a:t>Review Questions</a:t>
+                        <a:rPr lang="ko-KR" altLang="en-US" sz="1600" dirty="0" err="1" smtClean="0"/>
+                        <a:t>일상문장</a:t>
                       </a:r>
-                      <a:endParaRPr lang="ko-KR" altLang="en-US" sz="1600" dirty="0" smtClean="0"/>
+                      <a:r>
+                        <a:rPr lang="ko-KR" altLang="en-US" sz="1600" dirty="0" smtClean="0"/>
+                        <a:t> 분류</a:t>
+                      </a:r>
+                      <a:endParaRPr lang="ko-KR" altLang="en-US" sz="1600" dirty="0"/>
                     </a:p>
                   </a:txBody>
                   <a:tcPr marL="0" marR="0" marT="0" marB="0" anchor="ctr"/>
@@ -5596,11 +6385,7 @@
             </a:r>
             <a:r>
               <a:rPr lang="ko-KR" altLang="en-US" sz="2800" dirty="0" smtClean="0"/>
-              <a:t>분류 </a:t>
-            </a:r>
-            <a:r>
-              <a:rPr lang="ko-KR" altLang="en-US" sz="2800" dirty="0" smtClean="0"/>
-              <a:t>개념</a:t>
+              <a:t>분류 개념</a:t>
             </a:r>
             <a:endParaRPr lang="en-US" altLang="ko-KR" sz="2800" dirty="0" smtClean="0"/>
           </a:p>
@@ -5620,11 +6405,7 @@
             </a:pPr>
             <a:r>
               <a:rPr lang="ko-KR" altLang="en-US" sz="2800" dirty="0" smtClean="0"/>
-              <a:t>텍스트 분류 </a:t>
-            </a:r>
-            <a:r>
-              <a:rPr lang="ko-KR" altLang="en-US" sz="2800" dirty="0" smtClean="0"/>
-              <a:t>구조</a:t>
+              <a:t>텍스트 분류 구조</a:t>
             </a:r>
             <a:endParaRPr lang="en-US" altLang="ko-KR" sz="2800" dirty="0"/>
           </a:p>
@@ -9029,28 +9810,12 @@
           <a:lstStyle/>
           <a:p>
             <a:r>
-              <a:rPr lang="en-US" altLang="ko-KR" sz="3200" spc="300" dirty="0">
+              <a:rPr lang="ko-KR" altLang="en-US" sz="3200" dirty="0">
                 <a:solidFill>
                   <a:schemeClr val="tx1"/>
                 </a:solidFill>
               </a:rPr>
-              <a:t>RNN &amp; </a:t>
-            </a:r>
-            <a:r>
-              <a:rPr lang="ko-KR" altLang="en-US" sz="3200" spc="300" dirty="0" err="1">
-                <a:solidFill>
-                  <a:schemeClr val="tx1"/>
-                </a:solidFill>
-              </a:rPr>
-              <a:t>시계열</a:t>
-            </a:r>
-            <a:r>
-              <a:rPr lang="ko-KR" altLang="en-US" sz="3200" spc="300" dirty="0">
-                <a:solidFill>
-                  <a:schemeClr val="tx1"/>
-                </a:solidFill>
-              </a:rPr>
-              <a:t> 데이터</a:t>
+              <a:t>텍스트 분류</a:t>
             </a:r>
           </a:p>
         </p:txBody>
@@ -9178,6 +9943,356 @@
     <p:extLst>
       <p:ext uri="{BB962C8B-B14F-4D97-AF65-F5344CB8AC3E}">
         <p14:creationId xmlns:p14="http://schemas.microsoft.com/office/powerpoint/2010/main" val="680891778"/>
+      </p:ext>
+    </p:extLst>
+  </p:cSld>
+  <p:clrMapOvr>
+    <a:masterClrMapping/>
+  </p:clrMapOvr>
+  <p:timing>
+    <p:tnLst>
+      <p:par>
+        <p:cTn id="1" dur="indefinite" restart="never" nodeType="tmRoot"/>
+      </p:par>
+    </p:tnLst>
+  </p:timing>
+</p:sld>
+</file>
+
+<file path=ppt/slides/slide9.xml><?xml version="1.0" encoding="utf-8"?>
+<p:sld xmlns:a="http://schemas.openxmlformats.org/drawingml/2006/main" xmlns:r="http://schemas.openxmlformats.org/officeDocument/2006/relationships" xmlns:p="http://schemas.openxmlformats.org/presentationml/2006/main">
+  <p:cSld>
+    <p:spTree>
+      <p:nvGrpSpPr>
+        <p:cNvPr id="1" name=""/>
+        <p:cNvGrpSpPr/>
+        <p:nvPr/>
+      </p:nvGrpSpPr>
+      <p:grpSpPr>
+        <a:xfrm>
+          <a:off x="0" y="0"/>
+          <a:ext cx="0" cy="0"/>
+          <a:chOff x="0" y="0"/>
+          <a:chExt cx="0" cy="0"/>
+        </a:xfrm>
+      </p:grpSpPr>
+      <p:sp>
+        <p:nvSpPr>
+          <p:cNvPr id="7" name="슬라이드 번호 개체 틀 7"/>
+          <p:cNvSpPr>
+            <a:spLocks noGrp="1"/>
+          </p:cNvSpPr>
+          <p:nvPr>
+            <p:ph type="sldNum" sz="quarter" idx="12"/>
+          </p:nvPr>
+        </p:nvSpPr>
+        <p:spPr>
+          <a:xfrm>
+            <a:off x="8610600" y="6356352"/>
+            <a:ext cx="2743200" cy="365125"/>
+          </a:xfrm>
+        </p:spPr>
+        <p:txBody>
+          <a:bodyPr/>
+          <a:lstStyle/>
+          <a:p>
+            <a:fld id="{162ECC5E-0AB4-42BF-B1D5-49BAA6F477C6}" type="slidenum">
+              <a:rPr lang="ko-KR" altLang="en-US" smtClean="0"/>
+              <a:t>9</a:t>
+            </a:fld>
+            <a:endParaRPr lang="ko-KR" altLang="en-US"/>
+          </a:p>
+        </p:txBody>
+      </p:sp>
+      <p:sp>
+        <p:nvSpPr>
+          <p:cNvPr id="10" name="직사각형 9"/>
+          <p:cNvSpPr/>
+          <p:nvPr/>
+        </p:nvSpPr>
+        <p:spPr>
+          <a:xfrm>
+            <a:off x="1" y="0"/>
+            <a:ext cx="342900" cy="781051"/>
+          </a:xfrm>
+          <a:prstGeom prst="rect">
+            <a:avLst/>
+          </a:prstGeom>
+          <a:solidFill>
+            <a:schemeClr val="accent6">
+              <a:lumMod val="20000"/>
+              <a:lumOff val="80000"/>
+            </a:schemeClr>
+          </a:solidFill>
+          <a:ln>
+            <a:solidFill>
+              <a:schemeClr val="accent6">
+                <a:lumMod val="20000"/>
+                <a:lumOff val="80000"/>
+              </a:schemeClr>
+            </a:solidFill>
+          </a:ln>
+        </p:spPr>
+        <p:style>
+          <a:lnRef idx="2">
+            <a:schemeClr val="accent1">
+              <a:shade val="50000"/>
+            </a:schemeClr>
+          </a:lnRef>
+          <a:fillRef idx="1">
+            <a:schemeClr val="accent1"/>
+          </a:fillRef>
+          <a:effectRef idx="0">
+            <a:schemeClr val="accent1"/>
+          </a:effectRef>
+          <a:fontRef idx="minor">
+            <a:schemeClr val="lt1"/>
+          </a:fontRef>
+        </p:style>
+        <p:txBody>
+          <a:bodyPr rtlCol="0" anchor="b"/>
+          <a:lstStyle/>
+          <a:p>
+            <a:pPr algn="ctr"/>
+            <a:endParaRPr lang="ko-KR" altLang="en-US" sz="3600" dirty="0"/>
+          </a:p>
+        </p:txBody>
+      </p:sp>
+      <p:sp>
+        <p:nvSpPr>
+          <p:cNvPr id="11" name="직사각형 10"/>
+          <p:cNvSpPr/>
+          <p:nvPr/>
+        </p:nvSpPr>
+        <p:spPr>
+          <a:xfrm>
+            <a:off x="342900" y="0"/>
+            <a:ext cx="8629651" cy="781051"/>
+          </a:xfrm>
+          <a:prstGeom prst="rect">
+            <a:avLst/>
+          </a:prstGeom>
+          <a:solidFill>
+            <a:schemeClr val="accent6">
+              <a:lumMod val="40000"/>
+              <a:lumOff val="60000"/>
+            </a:schemeClr>
+          </a:solidFill>
+          <a:ln>
+            <a:solidFill>
+              <a:schemeClr val="accent6">
+                <a:lumMod val="40000"/>
+                <a:lumOff val="60000"/>
+              </a:schemeClr>
+            </a:solidFill>
+          </a:ln>
+        </p:spPr>
+        <p:style>
+          <a:lnRef idx="2">
+            <a:schemeClr val="accent1">
+              <a:shade val="50000"/>
+            </a:schemeClr>
+          </a:lnRef>
+          <a:fillRef idx="1">
+            <a:schemeClr val="accent1"/>
+          </a:fillRef>
+          <a:effectRef idx="0">
+            <a:schemeClr val="accent1"/>
+          </a:effectRef>
+          <a:fontRef idx="minor">
+            <a:schemeClr val="lt1"/>
+          </a:fontRef>
+        </p:style>
+        <p:txBody>
+          <a:bodyPr rtlCol="0" anchor="b"/>
+          <a:lstStyle/>
+          <a:p>
+            <a:r>
+              <a:rPr lang="ko-KR" altLang="en-US" sz="3600" dirty="0" err="1">
+                <a:solidFill>
+                  <a:schemeClr val="tx1"/>
+                </a:solidFill>
+              </a:rPr>
+              <a:t>딥러닝</a:t>
+            </a:r>
+            <a:endParaRPr lang="ko-KR" altLang="en-US" sz="3600" dirty="0">
+              <a:solidFill>
+                <a:schemeClr val="tx1"/>
+              </a:solidFill>
+            </a:endParaRPr>
+          </a:p>
+        </p:txBody>
+      </p:sp>
+      <p:sp>
+        <p:nvSpPr>
+          <p:cNvPr id="12" name="직사각형 11"/>
+          <p:cNvSpPr/>
+          <p:nvPr/>
+        </p:nvSpPr>
+        <p:spPr>
+          <a:xfrm>
+            <a:off x="8972549" y="0"/>
+            <a:ext cx="3219451" cy="781051"/>
+          </a:xfrm>
+          <a:prstGeom prst="rect">
+            <a:avLst/>
+          </a:prstGeom>
+          <a:solidFill>
+            <a:schemeClr val="accent6">
+              <a:lumMod val="75000"/>
+            </a:schemeClr>
+          </a:solidFill>
+          <a:ln>
+            <a:solidFill>
+              <a:schemeClr val="accent6">
+                <a:lumMod val="75000"/>
+              </a:schemeClr>
+            </a:solidFill>
+          </a:ln>
+        </p:spPr>
+        <p:style>
+          <a:lnRef idx="2">
+            <a:schemeClr val="accent1">
+              <a:shade val="50000"/>
+            </a:schemeClr>
+          </a:lnRef>
+          <a:fillRef idx="1">
+            <a:schemeClr val="accent1"/>
+          </a:fillRef>
+          <a:effectRef idx="0">
+            <a:schemeClr val="accent1"/>
+          </a:effectRef>
+          <a:fontRef idx="minor">
+            <a:schemeClr val="lt1"/>
+          </a:fontRef>
+        </p:style>
+        <p:txBody>
+          <a:bodyPr rtlCol="0" anchor="b"/>
+          <a:lstStyle/>
+          <a:p>
+            <a:endParaRPr lang="ko-KR" altLang="en-US" sz="2400" b="1" dirty="0">
+              <a:solidFill>
+                <a:schemeClr val="bg1"/>
+              </a:solidFill>
+            </a:endParaRPr>
+          </a:p>
+        </p:txBody>
+      </p:sp>
+      <p:sp>
+        <p:nvSpPr>
+          <p:cNvPr id="6" name="TextBox 5"/>
+          <p:cNvSpPr txBox="1"/>
+          <p:nvPr/>
+        </p:nvSpPr>
+        <p:spPr>
+          <a:xfrm>
+            <a:off x="342900" y="1538341"/>
+            <a:ext cx="8491427" cy="523220"/>
+          </a:xfrm>
+          <a:prstGeom prst="rect">
+            <a:avLst/>
+          </a:prstGeom>
+          <a:noFill/>
+        </p:spPr>
+        <p:txBody>
+          <a:bodyPr wrap="none" rtlCol="0">
+            <a:spAutoFit/>
+          </a:bodyPr>
+          <a:lstStyle/>
+          <a:p>
+            <a:pPr marL="514350" indent="-514350">
+              <a:buFont typeface="Wingdings" panose="05000000000000000000" pitchFamily="2" charset="2"/>
+              <a:buChar char="v"/>
+            </a:pPr>
+            <a:r>
+              <a:rPr lang="ko-KR" altLang="en-US" sz="2800" dirty="0" smtClean="0"/>
+              <a:t>가장 중요한 것은</a:t>
+            </a:r>
+            <a:r>
+              <a:rPr lang="en-US" altLang="ko-KR" sz="2800" dirty="0" smtClean="0"/>
+              <a:t>,  </a:t>
+            </a:r>
+            <a:r>
+              <a:rPr lang="ko-KR" altLang="en-US" sz="2800" dirty="0" smtClean="0"/>
+              <a:t>데이터 분석과 적절한 전처리</a:t>
+            </a:r>
+            <a:endParaRPr lang="en-US" altLang="ko-KR" sz="2800" dirty="0" smtClean="0"/>
+          </a:p>
+        </p:txBody>
+      </p:sp>
+      <p:sp>
+        <p:nvSpPr>
+          <p:cNvPr id="15" name="TextBox 14"/>
+          <p:cNvSpPr txBox="1"/>
+          <p:nvPr/>
+        </p:nvSpPr>
+        <p:spPr>
+          <a:xfrm>
+            <a:off x="1000495" y="2557241"/>
+            <a:ext cx="6388287" cy="2031325"/>
+          </a:xfrm>
+          <a:prstGeom prst="rect">
+            <a:avLst/>
+          </a:prstGeom>
+          <a:noFill/>
+        </p:spPr>
+        <p:txBody>
+          <a:bodyPr wrap="none" rtlCol="0">
+            <a:spAutoFit/>
+          </a:bodyPr>
+          <a:lstStyle/>
+          <a:p>
+            <a:pPr>
+              <a:lnSpc>
+                <a:spcPct val="150000"/>
+              </a:lnSpc>
+            </a:pPr>
+            <a:r>
+              <a:rPr lang="ko-KR" altLang="en-US" sz="2800" dirty="0" smtClean="0"/>
+              <a:t>모델을 아무리 좋게 만들어도</a:t>
+            </a:r>
+            <a:r>
+              <a:rPr lang="en-US" altLang="ko-KR" sz="2800" dirty="0" smtClean="0"/>
+              <a:t>, </a:t>
+            </a:r>
+          </a:p>
+          <a:p>
+            <a:pPr>
+              <a:lnSpc>
+                <a:spcPct val="150000"/>
+              </a:lnSpc>
+            </a:pPr>
+            <a:r>
+              <a:rPr lang="ko-KR" altLang="en-US" sz="2800" dirty="0" smtClean="0"/>
+              <a:t>쓰레기가 들어가면 쓰레기가 나옵니다</a:t>
+            </a:r>
+            <a:r>
+              <a:rPr lang="en-US" altLang="ko-KR" sz="2800" dirty="0" smtClean="0"/>
+              <a:t>.</a:t>
+            </a:r>
+          </a:p>
+          <a:p>
+            <a:pPr>
+              <a:lnSpc>
+                <a:spcPct val="150000"/>
+              </a:lnSpc>
+            </a:pPr>
+            <a:r>
+              <a:rPr lang="en-US" altLang="ko-KR" sz="2800" dirty="0" smtClean="0"/>
+              <a:t>(GOGI; Garbage In, Garbage Out</a:t>
+            </a:r>
+            <a:r>
+              <a:rPr lang="en-US" altLang="ko-KR" sz="2800" dirty="0"/>
+              <a:t>)</a:t>
+            </a:r>
+            <a:endParaRPr lang="en-US" altLang="ko-KR" sz="2800" dirty="0" smtClean="0"/>
+          </a:p>
+        </p:txBody>
+      </p:sp>
+    </p:spTree>
+    <p:extLst>
+      <p:ext uri="{BB962C8B-B14F-4D97-AF65-F5344CB8AC3E}">
+        <p14:creationId xmlns:p14="http://schemas.microsoft.com/office/powerpoint/2010/main" val="355589438"/>
       </p:ext>
     </p:extLst>
   </p:cSld>
